--- a/발표자료 및 보고서/프로젝트 중간 발표자료(양화대교).pptx
+++ b/발표자료 및 보고서/프로젝트 중간 발표자료(양화대교).pptx
@@ -22115,12 +22115,12 @@
             <a:lstStyle/>
             <a:p>
               <a:r>
-                <a:rPr kumimoji="1" lang="en-US" altLang="ko-KR" sz="3600" b="1" dirty="0">
+                <a:rPr kumimoji="1" lang="en-US" altLang="ko-KR" sz="3600" b="1">
                   <a:solidFill>
                     <a:srgbClr val="1F3359"/>
                   </a:solidFill>
                 </a:rPr>
-                <a:t>Part 2</a:t>
+                <a:t>Part 1</a:t>
               </a:r>
               <a:endParaRPr kumimoji="1" lang="ja-JP" altLang="en-US" sz="3600" b="1" dirty="0">
                 <a:solidFill>
